--- a/backend/esports.pptx
+++ b/backend/esports.pptx
@@ -13,7 +13,7 @@
     <p:sldId id="261" r:id="rId12"/>
     <p:sldId id="262" r:id="rId13"/>
   </p:sldIdLst>
-  <p:sldSz cx="9144000" cy="6858000" type="screen4x3"/>
+  <p:sldSz cx="12188952" cy="6858000" type="screen4x3"/>
   <p:notesSz cx="6858000" cy="9144000"/>
   <p:defaultTextStyle>
     <a:defPPr>
@@ -3125,7 +3125,7 @@
               </a:defRPr>
             </a:pPr>
             <a:r>
-              <a:t>esports</a:t>
+              <a:t>Esports</a:t>
             </a:r>
           </a:p>
         </p:txBody>
@@ -3160,7 +3160,7 @@
               </a:defRPr>
             </a:pPr>
             <a:r>
-              <a:t>By abhishek</a:t>
+              <a:t>By Abhishek</a:t>
             </a:r>
           </a:p>
         </p:txBody>
@@ -3214,14 +3214,14 @@
               </a:defRPr>
             </a:pPr>
             <a:r>
-              <a:t>Esports: The Rise of Competitive Gaming</a:t>
+              <a:t>Esports: A Booming Industry</a:t>
             </a:r>
           </a:p>
         </p:txBody>
       </p:sp>
       <p:pic>
         <p:nvPicPr>
-          <p:cNvPr id="3" name="Picture 2" descr="Esports_ The Rise of Competitive Gaming.png"/>
+          <p:cNvPr id="3" name="Picture 2" descr="Esports_ A Booming Industry.png"/>
           <p:cNvPicPr>
             <a:picLocks noChangeAspect="1"/>
           </p:cNvPicPr>
@@ -3236,7 +3236,7 @@
         <p:spPr>
           <a:xfrm>
             <a:off x="457200" y="1371600"/>
-            <a:ext cx="3657600" cy="2743200"/>
+            <a:ext cx="4572000" cy="3657600"/>
           </a:xfrm>
           <a:prstGeom prst="rect">
             <a:avLst/>
@@ -3251,8 +3251,8 @@
         </p:nvSpPr>
         <p:spPr>
           <a:xfrm>
-            <a:off x="4572000" y="1371600"/>
-            <a:ext cx="3657600" cy="4572000"/>
+            <a:off x="6858000" y="1371600"/>
+            <a:ext cx="5029200" cy="4572000"/>
           </a:xfrm>
           <a:prstGeom prst="rect">
             <a:avLst/>
@@ -3274,7 +3274,7 @@
               </a:defRPr>
             </a:pPr>
             <a:r>
-              <a:t>Definition: Organized, competitive video gaming, often played by professionals.</a:t>
+              <a:t>Definition of Esports: Competitive video gaming.</a:t>
             </a:r>
           </a:p>
           <a:p>
@@ -3286,7 +3286,7 @@
               </a:defRPr>
             </a:pPr>
             <a:r>
-              <a:t>Growing Popularity: Massive audience and revenue growth in recent years.</a:t>
+              <a:t>Brief history: From arcades to global tournaments.</a:t>
             </a:r>
           </a:p>
           <a:p>
@@ -3298,7 +3298,7 @@
               </a:defRPr>
             </a:pPr>
             <a:r>
-              <a:t>Key Genres: MOBAs, FPS, Fighting Games, Strategy Games.</a:t>
+              <a:t>Key stakeholders: Players, teams, publishers, sponsors.</a:t>
             </a:r>
           </a:p>
           <a:p>
@@ -3310,7 +3310,7 @@
               </a:defRPr>
             </a:pPr>
             <a:r>
-              <a:t>Example Titles: League of Legends, Counter-Strike, Overwatch 2.</a:t>
+              <a:t>Enormous growth: Revenue, viewership, and participation.</a:t>
             </a:r>
           </a:p>
         </p:txBody>
@@ -3364,14 +3364,14 @@
               </a:defRPr>
             </a:pPr>
             <a:r>
-              <a:t>Esports Ecosystem: Players &amp; Teams</a:t>
+              <a:t>Popular Esports Titles</a:t>
             </a:r>
           </a:p>
         </p:txBody>
       </p:sp>
       <p:pic>
         <p:nvPicPr>
-          <p:cNvPr id="3" name="Picture 2" descr="Esports Ecosystem_ Players &amp; Teams.png"/>
+          <p:cNvPr id="3" name="Picture 2" descr="Popular Esports Titles.png"/>
           <p:cNvPicPr>
             <a:picLocks noChangeAspect="1"/>
           </p:cNvPicPr>
@@ -3385,8 +3385,8 @@
         </p:blipFill>
         <p:spPr>
           <a:xfrm>
-            <a:off x="457200" y="1371600"/>
-            <a:ext cx="3657600" cy="2743200"/>
+            <a:off x="6858000" y="1371600"/>
+            <a:ext cx="4572000" cy="3657600"/>
           </a:xfrm>
           <a:prstGeom prst="rect">
             <a:avLst/>
@@ -3401,8 +3401,8 @@
         </p:nvSpPr>
         <p:spPr>
           <a:xfrm>
-            <a:off x="4572000" y="1371600"/>
-            <a:ext cx="3657600" cy="4572000"/>
+            <a:off x="457200" y="1371600"/>
+            <a:ext cx="5029200" cy="4572000"/>
           </a:xfrm>
           <a:prstGeom prst="rect">
             <a:avLst/>
@@ -3424,7 +3424,7 @@
               </a:defRPr>
             </a:pPr>
             <a:r>
-              <a:t>Professional Players: Dedicated individuals, often salaried, practicing and competing.</a:t>
+              <a:t>League of Legends (LoL): A strategic team-based MOBA.</a:t>
             </a:r>
           </a:p>
           <a:p>
@@ -3436,7 +3436,7 @@
               </a:defRPr>
             </a:pPr>
             <a:r>
-              <a:t>Team Organizations: Structures providing support, training, and branding.</a:t>
+              <a:t>Counter-Strike: Global Offensive (CS:GO): A tactical first-person shooter.</a:t>
             </a:r>
           </a:p>
           <a:p>
@@ -3448,7 +3448,7 @@
               </a:defRPr>
             </a:pPr>
             <a:r>
-              <a:t>Scouting and Development: Identifying and nurturing talent at amateur levels.</a:t>
+              <a:t>Dota 2: Another popular and complex MOBA.</a:t>
             </a:r>
           </a:p>
           <a:p>
@@ -3460,7 +3460,19 @@
               </a:defRPr>
             </a:pPr>
             <a:r>
-              <a:t>Player Health: Importance of physical and mental well-being.</a:t>
+              <a:t>Overwatch 2: Team-based hero shooter with unique abilities.</a:t>
+            </a:r>
+          </a:p>
+          <a:p>
+            <a:pPr>
+              <a:defRPr sz="2000">
+                <a:solidFill>
+                  <a:srgbClr val="000000"/>
+                </a:solidFill>
+              </a:defRPr>
+            </a:pPr>
+            <a:r>
+              <a:t>Valorant: Tactical FPS, known for its agent-based gameplay.</a:t>
             </a:r>
           </a:p>
         </p:txBody>
@@ -3514,14 +3526,14 @@
               </a:defRPr>
             </a:pPr>
             <a:r>
-              <a:t>Esports Ecosystem: Tournaments &amp; Leagues</a:t>
+              <a:t>Esports Ecosystem: How it Works</a:t>
             </a:r>
           </a:p>
         </p:txBody>
       </p:sp>
       <p:pic>
         <p:nvPicPr>
-          <p:cNvPr id="3" name="Picture 2" descr="Esports Ecosystem_ Tournaments &amp; Leagues.png"/>
+          <p:cNvPr id="3" name="Picture 2" descr="Esports Ecosystem_ How it Works.png"/>
           <p:cNvPicPr>
             <a:picLocks noChangeAspect="1"/>
           </p:cNvPicPr>
@@ -3536,7 +3548,7 @@
         <p:spPr>
           <a:xfrm>
             <a:off x="457200" y="1371600"/>
-            <a:ext cx="3657600" cy="2743200"/>
+            <a:ext cx="4572000" cy="3657600"/>
           </a:xfrm>
           <a:prstGeom prst="rect">
             <a:avLst/>
@@ -3551,8 +3563,8 @@
         </p:nvSpPr>
         <p:spPr>
           <a:xfrm>
-            <a:off x="4572000" y="1371600"/>
-            <a:ext cx="3657600" cy="4572000"/>
+            <a:off x="6858000" y="1371600"/>
+            <a:ext cx="5029200" cy="4572000"/>
           </a:xfrm>
           <a:prstGeom prst="rect">
             <a:avLst/>
@@ -3574,7 +3586,7 @@
               </a:defRPr>
             </a:pPr>
             <a:r>
-              <a:t>Major Tournaments: Organized competitions with large prize pools and prestige.</a:t>
+              <a:t>Publishers' Role: Develop and manage the game, and own the IP.</a:t>
             </a:r>
           </a:p>
           <a:p>
@@ -3586,7 +3598,7 @@
               </a:defRPr>
             </a:pPr>
             <a:r>
-              <a:t>League Structures: Recurring seasonal competitions with promotion/relegation.</a:t>
+              <a:t>Tournament Organizers: ESL, DreamHack, Riot Games, etc. host events.</a:t>
             </a:r>
           </a:p>
           <a:p>
@@ -3598,7 +3610,7 @@
               </a:defRPr>
             </a:pPr>
             <a:r>
-              <a:t>Streaming Platforms: Twitch, YouTube providing broadcast and viewer engagement.</a:t>
+              <a:t>Teams &amp; Players: Professional organizations and individuals competing.</a:t>
             </a:r>
           </a:p>
           <a:p>
@@ -3610,7 +3622,19 @@
               </a:defRPr>
             </a:pPr>
             <a:r>
-              <a:t>Sponsorships &amp; Advertising: Key revenue streams for teams and events.</a:t>
+              <a:t>Sponsors &amp; Advertising: Brands invest in esports for marketing.</a:t>
+            </a:r>
+          </a:p>
+          <a:p>
+            <a:pPr>
+              <a:defRPr sz="2000">
+                <a:solidFill>
+                  <a:srgbClr val="000000"/>
+                </a:solidFill>
+              </a:defRPr>
+            </a:pPr>
+            <a:r>
+              <a:t>Streaming Platforms: Twitch, YouTube, etc., provide viewership.</a:t>
             </a:r>
           </a:p>
         </p:txBody>
@@ -3664,14 +3688,14 @@
               </a:defRPr>
             </a:pPr>
             <a:r>
-              <a:t>The Business of Esports: Revenue &amp; Investment</a:t>
+              <a:t>The Business of Esports</a:t>
             </a:r>
           </a:p>
         </p:txBody>
       </p:sp>
       <p:pic>
         <p:nvPicPr>
-          <p:cNvPr id="3" name="Picture 2" descr="The Business of Esports_ Revenue &amp; Investment.png"/>
+          <p:cNvPr id="3" name="Picture 2" descr="The Business of Esports.png"/>
           <p:cNvPicPr>
             <a:picLocks noChangeAspect="1"/>
           </p:cNvPicPr>
@@ -3685,8 +3709,8 @@
         </p:blipFill>
         <p:spPr>
           <a:xfrm>
-            <a:off x="457200" y="1371600"/>
-            <a:ext cx="3657600" cy="2743200"/>
+            <a:off x="6858000" y="1371600"/>
+            <a:ext cx="4572000" cy="3657600"/>
           </a:xfrm>
           <a:prstGeom prst="rect">
             <a:avLst/>
@@ -3701,8 +3725,8 @@
         </p:nvSpPr>
         <p:spPr>
           <a:xfrm>
-            <a:off x="4572000" y="1371600"/>
-            <a:ext cx="3657600" cy="4572000"/>
+            <a:off x="457200" y="1371600"/>
+            <a:ext cx="5029200" cy="4572000"/>
           </a:xfrm>
           <a:prstGeom prst="rect">
             <a:avLst/>
@@ -3724,7 +3748,7 @@
               </a:defRPr>
             </a:pPr>
             <a:r>
-              <a:t>Revenue Streams: Sponsorships, advertising, media rights, merchandise, ticket sales.</a:t>
+              <a:t>Revenue Streams: Sponsorships, advertising, media rights, merchandising.</a:t>
             </a:r>
           </a:p>
           <a:p>
@@ -3736,7 +3760,7 @@
               </a:defRPr>
             </a:pPr>
             <a:r>
-              <a:t>Market Growth: Exponential growth attracting significant investment.</a:t>
+              <a:t>Investment and Growth: Venture capital flowing into the industry.</a:t>
             </a:r>
           </a:p>
           <a:p>
@@ -3748,7 +3772,7 @@
               </a:defRPr>
             </a:pPr>
             <a:r>
-              <a:t>Investment Opportunities: Teams, leagues, platforms, and infrastructure.</a:t>
+              <a:t>Salaries and Prize Pools: Pro players can earn significant income.</a:t>
             </a:r>
           </a:p>
           <a:p>
@@ -3760,7 +3784,7 @@
               </a:defRPr>
             </a:pPr>
             <a:r>
-              <a:t>Challenges: Regulation, sustainability, and profitability.</a:t>
+              <a:t>The Economics of Team Ownership: Costs and potential profits.</a:t>
             </a:r>
           </a:p>
         </p:txBody>
@@ -3836,7 +3860,7 @@
         <p:spPr>
           <a:xfrm>
             <a:off x="457200" y="1371600"/>
-            <a:ext cx="3657600" cy="2743200"/>
+            <a:ext cx="4572000" cy="3657600"/>
           </a:xfrm>
           <a:prstGeom prst="rect">
             <a:avLst/>
@@ -3851,8 +3875,8 @@
         </p:nvSpPr>
         <p:spPr>
           <a:xfrm>
-            <a:off x="4572000" y="1371600"/>
-            <a:ext cx="3657600" cy="4572000"/>
+            <a:off x="6858000" y="1371600"/>
+            <a:ext cx="5029200" cy="4572000"/>
           </a:xfrm>
           <a:prstGeom prst="rect">
             <a:avLst/>
@@ -3874,7 +3898,7 @@
               </a:defRPr>
             </a:pPr>
             <a:r>
-              <a:t>Continued Growth: Expected expansion into new regions and demographics.</a:t>
+              <a:t>Continued Growth: Expect further expansion and wider adoption.</a:t>
             </a:r>
           </a:p>
           <a:p>
@@ -3886,7 +3910,7 @@
               </a:defRPr>
             </a:pPr>
             <a:r>
-              <a:t>Emerging Technologies: VR/AR integration, AI for enhanced gameplay.</a:t>
+              <a:t>Increased Professionalization: More structured leagues and training.</a:t>
             </a:r>
           </a:p>
           <a:p>
@@ -3898,7 +3922,7 @@
               </a:defRPr>
             </a:pPr>
             <a:r>
-              <a:t>Integration with Traditional Sports: Partnerships and cross-promotional opportunities.</a:t>
+              <a:t>Mobile Esports: Growth of mobile gaming titles and tournaments.</a:t>
             </a:r>
           </a:p>
           <a:p>
@@ -3910,7 +3934,19 @@
               </a:defRPr>
             </a:pPr>
             <a:r>
-              <a:t>Conclusion: Esports becoming a mainstream entertainment phenomenon.</a:t>
+              <a:t>Virtual Reality (VR) and Augmented Reality (AR): Potential new platforms.</a:t>
+            </a:r>
+          </a:p>
+          <a:p>
+            <a:pPr>
+              <a:defRPr sz="2000">
+                <a:solidFill>
+                  <a:srgbClr val="000000"/>
+                </a:solidFill>
+              </a:defRPr>
+            </a:pPr>
+            <a:r>
+              <a:t>Potential for Esports in Education: Skill development and career pathways.</a:t>
             </a:r>
           </a:p>
         </p:txBody>
